--- a/doc/tutorial-fig.pptx
+++ b/doc/tutorial-fig.pptx
@@ -151,7 +151,7 @@
       </p14:sectionLst>
     </p:ext>
     <p:ext uri="{EFAFB233-063F-42B5-8137-9DF3F51BA10A}">
-      <p15:sldGuideLst xmlns="" xmlns:p15="http://schemas.microsoft.com/office/powerpoint/2012/main">
+      <p15:sldGuideLst xmlns:p15="http://schemas.microsoft.com/office/powerpoint/2012/main" xmlns="">
         <p15:guide id="1" orient="horz" pos="2160">
           <p15:clr>
             <a:srgbClr val="A4A3A4"/>
@@ -165,7 +165,7 @@
       </p15:sldGuideLst>
     </p:ext>
     <p:ext uri="{2D200454-40CA-4A62-9FC3-DE9A4176ACB9}">
-      <p15:notesGuideLst xmlns="" xmlns:p15="http://schemas.microsoft.com/office/powerpoint/2012/main">
+      <p15:notesGuideLst xmlns:p15="http://schemas.microsoft.com/office/powerpoint/2012/main" xmlns="">
         <p15:guide id="1" orient="horz" pos="3223">
           <p15:clr>
             <a:srgbClr val="A4A3A4"/>
@@ -2078,7 +2078,6 @@
             </a:bodyPr>
             <a:lstStyle/>
             <a:p>
-              <a:pPr/>
               <a:r>
                 <a:rPr lang="en-US" altLang="ja-JP" sz="1000" smtClean="0">
                   <a:latin typeface="Arial Unicode MS" panose="020B0604020202020204" pitchFamily="50" charset="-128"/>
@@ -2104,7 +2103,7 @@
           <p:spPr>
             <a:xfrm>
               <a:off x="353141" y="1025043"/>
-              <a:ext cx="961365" cy="216024"/>
+              <a:ext cx="1316421" cy="216024"/>
             </a:xfrm>
             <a:prstGeom prst="rect">
               <a:avLst/>
@@ -2137,7 +2136,6 @@
             <a:bodyPr rtlCol="0" anchor="ctr"/>
             <a:lstStyle/>
             <a:p>
-              <a:pPr algn="ctr"/>
               <a:r>
                 <a:rPr kumimoji="1" lang="en-US" altLang="ja-JP" sz="1000" smtClean="0">
                   <a:solidFill>
@@ -2147,7 +2145,18 @@
                   <a:ea typeface="Arial Unicode MS" panose="020B0604020202020204" pitchFamily="50" charset="-128"/>
                   <a:cs typeface="Arial Unicode MS" panose="020B0604020202020204" pitchFamily="50" charset="-128"/>
                 </a:rPr>
-                <a:t>/dev/data/log</a:t>
+                <a:t>/</a:t>
+              </a:r>
+              <a:r>
+                <a:rPr kumimoji="1" lang="en-US" altLang="ja-JP" sz="1000" smtClean="0">
+                  <a:solidFill>
+                    <a:srgbClr val="000000"/>
+                  </a:solidFill>
+                  <a:latin typeface="Arial Unicode MS" panose="020B0604020202020204" pitchFamily="50" charset="-128"/>
+                  <a:ea typeface="Arial Unicode MS" panose="020B0604020202020204" pitchFamily="50" charset="-128"/>
+                  <a:cs typeface="Arial Unicode MS" panose="020B0604020202020204" pitchFamily="50" charset="-128"/>
+                </a:rPr>
+                <a:t>dev/tutorial/mlog</a:t>
               </a:r>
               <a:endParaRPr kumimoji="1" lang="ja-JP" altLang="en-US" sz="1000">
                 <a:solidFill>
@@ -2255,7 +2264,6 @@
             <a:bodyPr rtlCol="0" anchor="ctr"/>
             <a:lstStyle/>
             <a:p>
-              <a:pPr algn="ctr"/>
               <a:r>
                 <a:rPr kumimoji="1" lang="en-US" altLang="ja-JP" sz="1000" smtClean="0">
                   <a:solidFill>
@@ -2265,7 +2273,18 @@
                   <a:ea typeface="Arial Unicode MS" panose="020B0604020202020204" pitchFamily="50" charset="-128"/>
                   <a:cs typeface="Arial Unicode MS" panose="020B0604020202020204" pitchFamily="50" charset="-128"/>
                 </a:rPr>
-                <a:t>/dev/data/data</a:t>
+                <a:t>/</a:t>
+              </a:r>
+              <a:r>
+                <a:rPr kumimoji="1" lang="en-US" altLang="ja-JP" sz="1000" smtClean="0">
+                  <a:solidFill>
+                    <a:srgbClr val="000000"/>
+                  </a:solidFill>
+                  <a:latin typeface="Arial Unicode MS" panose="020B0604020202020204" pitchFamily="50" charset="-128"/>
+                  <a:ea typeface="Arial Unicode MS" panose="020B0604020202020204" pitchFamily="50" charset="-128"/>
+                  <a:cs typeface="Arial Unicode MS" panose="020B0604020202020204" pitchFamily="50" charset="-128"/>
+                </a:rPr>
+                <a:t>dev/tutorial/mdata</a:t>
               </a:r>
               <a:endParaRPr kumimoji="1" lang="ja-JP" altLang="en-US" sz="1000">
                 <a:solidFill>
@@ -2305,7 +2324,6 @@
           </a:bodyPr>
           <a:lstStyle/>
           <a:p>
-            <a:pPr/>
             <a:r>
               <a:rPr lang="en-US" altLang="ja-JP" sz="1000" smtClean="0">
                 <a:solidFill>
@@ -2337,7 +2355,7 @@
         <p:spPr>
           <a:xfrm>
             <a:off x="125760" y="1485900"/>
-            <a:ext cx="2121241" cy="197405"/>
+            <a:ext cx="1276458" cy="197405"/>
           </a:xfrm>
           <a:prstGeom prst="rect">
             <a:avLst/>
@@ -2354,14 +2372,13 @@
           </a:bodyPr>
           <a:lstStyle/>
           <a:p>
-            <a:pPr/>
             <a:r>
               <a:rPr lang="en-US" altLang="ja-JP" sz="1000" smtClean="0">
                 <a:latin typeface="Arial Unicode MS" panose="020B0604020202020204" pitchFamily="50" charset="-128"/>
                 <a:ea typeface="Arial Unicode MS" panose="020B0604020202020204" pitchFamily="50" charset="-128"/>
                 <a:cs typeface="Arial Unicode MS" panose="020B0604020202020204" pitchFamily="50" charset="-128"/>
               </a:rPr>
-              <a:t>/var/walb/s0/ ; used by walb-storage</a:t>
+              <a:t>/mnt/tutorial/data/s0/</a:t>
             </a:r>
             <a:endParaRPr lang="ja-JP" altLang="en-US" sz="1000">
               <a:latin typeface="Arial Unicode MS" panose="020B0604020202020204" pitchFamily="50" charset="-128"/>
@@ -2481,7 +2498,7 @@
         <p:spPr>
           <a:xfrm>
             <a:off x="2574032" y="1198656"/>
-            <a:ext cx="864096" cy="212118"/>
+            <a:ext cx="1296144" cy="212118"/>
           </a:xfrm>
           <a:prstGeom prst="rect">
             <a:avLst/>
@@ -2551,7 +2568,6 @@
           </a:bodyPr>
           <a:lstStyle/>
           <a:p>
-            <a:pPr/>
             <a:r>
               <a:rPr lang="en-US" altLang="ja-JP" sz="1000" smtClean="0">
                 <a:solidFill>
@@ -2583,7 +2599,7 @@
         <p:spPr>
           <a:xfrm>
             <a:off x="2576288" y="1197868"/>
-            <a:ext cx="809985" cy="197405"/>
+            <a:ext cx="1247604" cy="197405"/>
           </a:xfrm>
           <a:prstGeom prst="rect">
             <a:avLst/>
@@ -2600,14 +2616,29 @@
           </a:bodyPr>
           <a:lstStyle/>
           <a:p>
-            <a:pPr/>
             <a:r>
               <a:rPr lang="en-US" altLang="ja-JP" sz="1000" smtClean="0">
                 <a:latin typeface="Arial Unicode MS" panose="020B0604020202020204" pitchFamily="50" charset="-128"/>
                 <a:ea typeface="Arial Unicode MS" panose="020B0604020202020204" pitchFamily="50" charset="-128"/>
                 <a:cs typeface="Arial Unicode MS" panose="020B0604020202020204" pitchFamily="50" charset="-128"/>
               </a:rPr>
-              <a:t>/var/walb/p0/</a:t>
+              <a:t>/</a:t>
+            </a:r>
+            <a:r>
+              <a:rPr lang="en-US" altLang="ja-JP" sz="1000" smtClean="0">
+                <a:latin typeface="Arial Unicode MS" panose="020B0604020202020204" pitchFamily="50" charset="-128"/>
+                <a:ea typeface="Arial Unicode MS" panose="020B0604020202020204" pitchFamily="50" charset="-128"/>
+                <a:cs typeface="Arial Unicode MS" panose="020B0604020202020204" pitchFamily="50" charset="-128"/>
+              </a:rPr>
+              <a:t>mnt/tutorial/data/p0</a:t>
+            </a:r>
+            <a:r>
+              <a:rPr lang="en-US" altLang="ja-JP" sz="1000" smtClean="0">
+                <a:latin typeface="Arial Unicode MS" panose="020B0604020202020204" pitchFamily="50" charset="-128"/>
+                <a:ea typeface="Arial Unicode MS" panose="020B0604020202020204" pitchFamily="50" charset="-128"/>
+                <a:cs typeface="Arial Unicode MS" panose="020B0604020202020204" pitchFamily="50" charset="-128"/>
+              </a:rPr>
+              <a:t>/</a:t>
             </a:r>
             <a:endParaRPr lang="ja-JP" altLang="en-US" sz="1000">
               <a:latin typeface="Arial Unicode MS" panose="020B0604020202020204" pitchFamily="50" charset="-128"/>
@@ -2628,8 +2659,8 @@
         </p:nvCxnSpPr>
         <p:spPr>
           <a:xfrm flipV="1">
-            <a:off x="1314506" y="1304715"/>
-            <a:ext cx="1259526" cy="1165"/>
+            <a:off x="1669562" y="1304715"/>
+            <a:ext cx="904470" cy="1165"/>
           </a:xfrm>
           <a:prstGeom prst="straightConnector1">
             <a:avLst/>
@@ -2718,7 +2749,6 @@
           </a:bodyPr>
           <a:lstStyle/>
           <a:p>
-            <a:pPr/>
             <a:r>
               <a:rPr lang="en-US" altLang="ja-JP" sz="1000" smtClean="0">
                 <a:solidFill>
@@ -2741,263 +2771,266 @@
           </a:p>
         </p:txBody>
       </p:sp>
-      <p:grpSp>
-        <p:nvGrpSpPr>
-          <p:cNvPr id="26" name="グループ化 25"/>
-          <p:cNvGrpSpPr/>
+      <p:sp>
+        <p:nvSpPr>
+          <p:cNvPr id="112" name="正方形/長方形 111"/>
+          <p:cNvSpPr/>
           <p:nvPr/>
-        </p:nvGrpSpPr>
-        <p:grpSpPr>
+        </p:nvSpPr>
+        <p:spPr>
           <a:xfrm>
             <a:off x="2286000" y="1777838"/>
             <a:ext cx="1584176" cy="644166"/>
-            <a:chOff x="2574032" y="1777838"/>
-            <a:chExt cx="1584176" cy="644166"/>
           </a:xfrm>
-        </p:grpSpPr>
-        <p:sp>
-          <p:nvSpPr>
-            <p:cNvPr id="112" name="正方形/長方形 111"/>
-            <p:cNvSpPr/>
-            <p:nvPr/>
-          </p:nvSpPr>
-          <p:spPr>
-            <a:xfrm>
-              <a:off x="2574032" y="1777838"/>
-              <a:ext cx="1584176" cy="644166"/>
-            </a:xfrm>
-            <a:prstGeom prst="rect">
-              <a:avLst/>
-            </a:prstGeom>
-            <a:noFill/>
-            <a:ln w="6350">
+          <a:prstGeom prst="rect">
+            <a:avLst/>
+          </a:prstGeom>
+          <a:noFill/>
+          <a:ln w="6350">
+            <a:solidFill>
+              <a:srgbClr val="000000"/>
+            </a:solidFill>
+            <a:prstDash val="solid"/>
+          </a:ln>
+        </p:spPr>
+        <p:style>
+          <a:lnRef idx="2">
+            <a:schemeClr val="accent1">
+              <a:shade val="50000"/>
+            </a:schemeClr>
+          </a:lnRef>
+          <a:fillRef idx="1">
+            <a:schemeClr val="accent1"/>
+          </a:fillRef>
+          <a:effectRef idx="0">
+            <a:schemeClr val="accent1"/>
+          </a:effectRef>
+          <a:fontRef idx="minor">
+            <a:schemeClr val="lt1"/>
+          </a:fontRef>
+        </p:style>
+        <p:txBody>
+          <a:bodyPr rtlCol="0" anchor="ctr"/>
+          <a:lstStyle/>
+          <a:p>
+            <a:pPr algn="ctr"/>
+            <a:endParaRPr kumimoji="1" lang="ja-JP" altLang="en-US" sz="1000">
               <a:solidFill>
                 <a:srgbClr val="000000"/>
               </a:solidFill>
-              <a:prstDash val="solid"/>
-            </a:ln>
-          </p:spPr>
-          <p:style>
-            <a:lnRef idx="2">
-              <a:schemeClr val="accent1">
-                <a:shade val="50000"/>
-              </a:schemeClr>
-            </a:lnRef>
-            <a:fillRef idx="1">
-              <a:schemeClr val="accent1"/>
-            </a:fillRef>
-            <a:effectRef idx="0">
-              <a:schemeClr val="accent1"/>
-            </a:effectRef>
-            <a:fontRef idx="minor">
-              <a:schemeClr val="lt1"/>
-            </a:fontRef>
-          </p:style>
-          <p:txBody>
-            <a:bodyPr rtlCol="0" anchor="ctr"/>
-            <a:lstStyle/>
-            <a:p>
-              <a:pPr algn="ctr"/>
-              <a:endParaRPr kumimoji="1" lang="ja-JP" altLang="en-US" sz="1000">
-                <a:solidFill>
-                  <a:srgbClr val="000000"/>
-                </a:solidFill>
-                <a:latin typeface="HG丸ｺﾞｼｯｸM-PRO" panose="020F0600000000000000" pitchFamily="50" charset="-128"/>
-                <a:ea typeface="HG丸ｺﾞｼｯｸM-PRO" panose="020F0600000000000000" pitchFamily="50" charset="-128"/>
-              </a:endParaRPr>
-            </a:p>
-          </p:txBody>
-        </p:sp>
-        <p:sp>
-          <p:nvSpPr>
-            <p:cNvPr id="113" name="テキスト ボックス 112"/>
-            <p:cNvSpPr txBox="1"/>
-            <p:nvPr/>
-          </p:nvSpPr>
-          <p:spPr>
-            <a:xfrm>
-              <a:off x="2574032" y="1792551"/>
-              <a:ext cx="809985" cy="197405"/>
-            </a:xfrm>
-            <a:prstGeom prst="rect">
-              <a:avLst/>
-            </a:prstGeom>
+              <a:latin typeface="HG丸ｺﾞｼｯｸM-PRO" panose="020F0600000000000000" pitchFamily="50" charset="-128"/>
+              <a:ea typeface="HG丸ｺﾞｼｯｸM-PRO" panose="020F0600000000000000" pitchFamily="50" charset="-128"/>
+            </a:endParaRPr>
+          </a:p>
+        </p:txBody>
+      </p:sp>
+      <p:sp>
+        <p:nvSpPr>
+          <p:cNvPr id="113" name="テキスト ボックス 112"/>
+          <p:cNvSpPr txBox="1"/>
+          <p:nvPr/>
+        </p:nvSpPr>
+        <p:spPr>
+          <a:xfrm>
+            <a:off x="2286000" y="1792551"/>
+            <a:ext cx="1247604" cy="197405"/>
+          </a:xfrm>
+          <a:prstGeom prst="rect">
+            <a:avLst/>
+          </a:prstGeom>
+          <a:noFill/>
+          <a:ln w="19050" cap="rnd">
             <a:noFill/>
-            <a:ln w="19050" cap="rnd">
-              <a:noFill/>
-              <a:prstDash val="sysDash"/>
-            </a:ln>
-          </p:spPr>
-          <p:txBody>
-            <a:bodyPr wrap="none" lIns="43094" tIns="21548" rIns="43094" bIns="21548" rtlCol="0">
-              <a:spAutoFit/>
-            </a:bodyPr>
-            <a:lstStyle/>
-            <a:p>
-              <a:pPr/>
-              <a:r>
-                <a:rPr lang="en-US" altLang="ja-JP" sz="1000" smtClean="0">
-                  <a:latin typeface="Arial Unicode MS" panose="020B0604020202020204" pitchFamily="50" charset="-128"/>
-                  <a:ea typeface="Arial Unicode MS" panose="020B0604020202020204" pitchFamily="50" charset="-128"/>
-                  <a:cs typeface="Arial Unicode MS" panose="020B0604020202020204" pitchFamily="50" charset="-128"/>
-                </a:rPr>
-                <a:t>/var/walb/a0/</a:t>
-              </a:r>
-              <a:endParaRPr lang="ja-JP" altLang="en-US" sz="1000">
+            <a:prstDash val="sysDash"/>
+          </a:ln>
+        </p:spPr>
+        <p:txBody>
+          <a:bodyPr wrap="none" lIns="43094" tIns="21548" rIns="43094" bIns="21548" rtlCol="0">
+            <a:spAutoFit/>
+          </a:bodyPr>
+          <a:lstStyle/>
+          <a:p>
+            <a:r>
+              <a:rPr lang="en-US" altLang="ja-JP" sz="1000" smtClean="0">
                 <a:latin typeface="Arial Unicode MS" panose="020B0604020202020204" pitchFamily="50" charset="-128"/>
                 <a:ea typeface="Arial Unicode MS" panose="020B0604020202020204" pitchFamily="50" charset="-128"/>
                 <a:cs typeface="Arial Unicode MS" panose="020B0604020202020204" pitchFamily="50" charset="-128"/>
-              </a:endParaRPr>
-            </a:p>
-          </p:txBody>
-        </p:sp>
-        <p:sp>
-          <p:nvSpPr>
-            <p:cNvPr id="115" name="正方形/長方形 114"/>
-            <p:cNvSpPr/>
-            <p:nvPr/>
-          </p:nvSpPr>
-          <p:spPr>
-            <a:xfrm>
-              <a:off x="2646040" y="2133972"/>
-              <a:ext cx="1440160" cy="216024"/>
-            </a:xfrm>
-            <a:prstGeom prst="rect">
-              <a:avLst/>
-            </a:prstGeom>
-            <a:noFill/>
-            <a:ln w="6350">
-              <a:solidFill>
-                <a:srgbClr val="000000"/>
-              </a:solidFill>
-              <a:prstDash val="solid"/>
-            </a:ln>
-          </p:spPr>
-          <p:style>
-            <a:lnRef idx="2">
-              <a:schemeClr val="accent1">
-                <a:shade val="50000"/>
-              </a:schemeClr>
-            </a:lnRef>
-            <a:fillRef idx="1">
-              <a:schemeClr val="accent1"/>
-            </a:fillRef>
-            <a:effectRef idx="0">
-              <a:schemeClr val="accent1"/>
-            </a:effectRef>
-            <a:fontRef idx="minor">
-              <a:schemeClr val="lt1"/>
-            </a:fontRef>
-          </p:style>
-          <p:txBody>
-            <a:bodyPr rtlCol="0" anchor="ctr"/>
-            <a:lstStyle/>
-            <a:p>
-              <a:pPr algn="ctr"/>
-              <a:r>
-                <a:rPr kumimoji="1" lang="en-US" altLang="ja-JP" sz="1000" smtClean="0">
-                  <a:solidFill>
-                    <a:srgbClr val="000000"/>
-                  </a:solidFill>
-                  <a:latin typeface="Arial Unicode MS" panose="020B0604020202020204" pitchFamily="50" charset="-128"/>
-                  <a:ea typeface="Arial Unicode MS" panose="020B0604020202020204" pitchFamily="50" charset="-128"/>
-                  <a:cs typeface="Arial Unicode MS" panose="020B0604020202020204" pitchFamily="50" charset="-128"/>
-                </a:rPr>
-                <a:t>/dev/data2/r_vol_???</a:t>
-              </a:r>
-              <a:endParaRPr kumimoji="1" lang="ja-JP" altLang="en-US" sz="1000">
+              </a:rPr>
+              <a:t>/mnt/tutorial/data/a0/</a:t>
+            </a:r>
+            <a:endParaRPr lang="ja-JP" altLang="en-US" sz="1000">
+              <a:latin typeface="Arial Unicode MS" panose="020B0604020202020204" pitchFamily="50" charset="-128"/>
+              <a:ea typeface="Arial Unicode MS" panose="020B0604020202020204" pitchFamily="50" charset="-128"/>
+              <a:cs typeface="Arial Unicode MS" panose="020B0604020202020204" pitchFamily="50" charset="-128"/>
+            </a:endParaRPr>
+          </a:p>
+        </p:txBody>
+      </p:sp>
+      <p:sp>
+        <p:nvSpPr>
+          <p:cNvPr id="115" name="正方形/長方形 114"/>
+          <p:cNvSpPr/>
+          <p:nvPr/>
+        </p:nvSpPr>
+        <p:spPr>
+          <a:xfrm>
+            <a:off x="2358008" y="2133972"/>
+            <a:ext cx="1440160" cy="216024"/>
+          </a:xfrm>
+          <a:prstGeom prst="rect">
+            <a:avLst/>
+          </a:prstGeom>
+          <a:noFill/>
+          <a:ln w="6350">
+            <a:solidFill>
+              <a:srgbClr val="000000"/>
+            </a:solidFill>
+            <a:prstDash val="solid"/>
+          </a:ln>
+        </p:spPr>
+        <p:style>
+          <a:lnRef idx="2">
+            <a:schemeClr val="accent1">
+              <a:shade val="50000"/>
+            </a:schemeClr>
+          </a:lnRef>
+          <a:fillRef idx="1">
+            <a:schemeClr val="accent1"/>
+          </a:fillRef>
+          <a:effectRef idx="0">
+            <a:schemeClr val="accent1"/>
+          </a:effectRef>
+          <a:fontRef idx="minor">
+            <a:schemeClr val="lt1"/>
+          </a:fontRef>
+        </p:style>
+        <p:txBody>
+          <a:bodyPr rtlCol="0" anchor="ctr"/>
+          <a:lstStyle/>
+          <a:p>
+            <a:pPr algn="ctr"/>
+            <a:r>
+              <a:rPr kumimoji="1" lang="en-US" altLang="ja-JP" sz="1000" smtClean="0">
                 <a:solidFill>
                   <a:srgbClr val="000000"/>
                 </a:solidFill>
                 <a:latin typeface="Arial Unicode MS" panose="020B0604020202020204" pitchFamily="50" charset="-128"/>
                 <a:ea typeface="Arial Unicode MS" panose="020B0604020202020204" pitchFamily="50" charset="-128"/>
                 <a:cs typeface="Arial Unicode MS" panose="020B0604020202020204" pitchFamily="50" charset="-128"/>
-              </a:endParaRPr>
-            </a:p>
-          </p:txBody>
-        </p:sp>
-        <p:cxnSp>
-          <p:nvCxnSpPr>
-            <p:cNvPr id="116" name="直線矢印コネクタ 115"/>
-            <p:cNvCxnSpPr>
-              <a:stCxn id="113" idx="2"/>
-            </p:cNvCxnSpPr>
-            <p:nvPr/>
-          </p:nvCxnSpPr>
-          <p:spPr>
-            <a:xfrm flipH="1">
-              <a:off x="2963647" y="1989956"/>
-              <a:ext cx="15378" cy="144016"/>
-            </a:xfrm>
-            <a:prstGeom prst="straightConnector1">
-              <a:avLst/>
-            </a:prstGeom>
-            <a:ln w="3175">
-              <a:solidFill>
-                <a:schemeClr val="tx1"/>
-              </a:solidFill>
-              <a:tailEnd type="arrow"/>
-            </a:ln>
-          </p:spPr>
-          <p:style>
-            <a:lnRef idx="1">
-              <a:schemeClr val="accent1"/>
-            </a:lnRef>
-            <a:fillRef idx="0">
-              <a:schemeClr val="accent1"/>
-            </a:fillRef>
-            <a:effectRef idx="0">
-              <a:schemeClr val="accent1"/>
-            </a:effectRef>
-            <a:fontRef idx="minor">
-              <a:schemeClr val="tx1"/>
-            </a:fontRef>
-          </p:style>
-        </p:cxnSp>
-        <p:sp>
-          <p:nvSpPr>
-            <p:cNvPr id="118" name="テキスト ボックス 117"/>
-            <p:cNvSpPr txBox="1"/>
-            <p:nvPr/>
-          </p:nvSpPr>
-          <p:spPr>
-            <a:xfrm>
-              <a:off x="3023450" y="1960573"/>
-              <a:ext cx="484574" cy="197405"/>
-            </a:xfrm>
-            <a:prstGeom prst="rect">
-              <a:avLst/>
-            </a:prstGeom>
-            <a:noFill/>
-            <a:ln w="19050" cap="rnd">
-              <a:noFill/>
-              <a:prstDash val="sysDash"/>
-            </a:ln>
-          </p:spPr>
-          <p:txBody>
-            <a:bodyPr wrap="none" lIns="43094" tIns="21548" rIns="43094" bIns="21548" rtlCol="0">
-              <a:spAutoFit/>
-            </a:bodyPr>
-            <a:lstStyle/>
-            <a:p>
-              <a:pPr/>
-              <a:r>
-                <a:rPr lang="en-US" altLang="ja-JP" sz="1000" smtClean="0">
-                  <a:latin typeface="Arial Unicode MS" panose="020B0604020202020204" pitchFamily="50" charset="-128"/>
-                  <a:ea typeface="Arial Unicode MS" panose="020B0604020202020204" pitchFamily="50" charset="-128"/>
-                  <a:cs typeface="Arial Unicode MS" panose="020B0604020202020204" pitchFamily="50" charset="-128"/>
-                </a:rPr>
-                <a:t>restore</a:t>
-              </a:r>
-              <a:endParaRPr lang="ja-JP" altLang="en-US" sz="1000">
+              </a:rPr>
+              <a:t>/</a:t>
+            </a:r>
+            <a:r>
+              <a:rPr kumimoji="1" lang="en-US" altLang="ja-JP" sz="1000" smtClean="0">
+                <a:solidFill>
+                  <a:srgbClr val="000000"/>
+                </a:solidFill>
                 <a:latin typeface="Arial Unicode MS" panose="020B0604020202020204" pitchFamily="50" charset="-128"/>
                 <a:ea typeface="Arial Unicode MS" panose="020B0604020202020204" pitchFamily="50" charset="-128"/>
                 <a:cs typeface="Arial Unicode MS" panose="020B0604020202020204" pitchFamily="50" charset="-128"/>
-              </a:endParaRPr>
-            </a:p>
-          </p:txBody>
-        </p:sp>
-      </p:grpSp>
+              </a:rPr>
+              <a:t>dev/tutorial/r_vol</a:t>
+            </a:r>
+            <a:r>
+              <a:rPr kumimoji="1" lang="en-US" altLang="ja-JP" sz="1000" smtClean="0">
+                <a:solidFill>
+                  <a:srgbClr val="000000"/>
+                </a:solidFill>
+                <a:latin typeface="Arial Unicode MS" panose="020B0604020202020204" pitchFamily="50" charset="-128"/>
+                <a:ea typeface="Arial Unicode MS" panose="020B0604020202020204" pitchFamily="50" charset="-128"/>
+                <a:cs typeface="Arial Unicode MS" panose="020B0604020202020204" pitchFamily="50" charset="-128"/>
+              </a:rPr>
+              <a:t>_???</a:t>
+            </a:r>
+            <a:endParaRPr kumimoji="1" lang="ja-JP" altLang="en-US" sz="1000">
+              <a:solidFill>
+                <a:srgbClr val="000000"/>
+              </a:solidFill>
+              <a:latin typeface="Arial Unicode MS" panose="020B0604020202020204" pitchFamily="50" charset="-128"/>
+              <a:ea typeface="Arial Unicode MS" panose="020B0604020202020204" pitchFamily="50" charset="-128"/>
+              <a:cs typeface="Arial Unicode MS" panose="020B0604020202020204" pitchFamily="50" charset="-128"/>
+            </a:endParaRPr>
+          </a:p>
+        </p:txBody>
+      </p:sp>
+      <p:cxnSp>
+        <p:nvCxnSpPr>
+          <p:cNvPr id="116" name="直線矢印コネクタ 115"/>
+          <p:cNvCxnSpPr/>
+          <p:nvPr/>
+        </p:nvCxnSpPr>
+        <p:spPr>
+          <a:xfrm flipH="1">
+            <a:off x="2574031" y="1989956"/>
+            <a:ext cx="2257" cy="144016"/>
+          </a:xfrm>
+          <a:prstGeom prst="straightConnector1">
+            <a:avLst/>
+          </a:prstGeom>
+          <a:ln w="3175">
+            <a:solidFill>
+              <a:schemeClr val="tx1"/>
+            </a:solidFill>
+            <a:tailEnd type="arrow"/>
+          </a:ln>
+        </p:spPr>
+        <p:style>
+          <a:lnRef idx="1">
+            <a:schemeClr val="accent1"/>
+          </a:lnRef>
+          <a:fillRef idx="0">
+            <a:schemeClr val="accent1"/>
+          </a:fillRef>
+          <a:effectRef idx="0">
+            <a:schemeClr val="accent1"/>
+          </a:effectRef>
+          <a:fontRef idx="minor">
+            <a:schemeClr val="tx1"/>
+          </a:fontRef>
+        </p:style>
+      </p:cxnSp>
+      <p:sp>
+        <p:nvSpPr>
+          <p:cNvPr id="118" name="テキスト ボックス 117"/>
+          <p:cNvSpPr txBox="1"/>
+          <p:nvPr/>
+        </p:nvSpPr>
+        <p:spPr>
+          <a:xfrm>
+            <a:off x="2735418" y="1960573"/>
+            <a:ext cx="484574" cy="197405"/>
+          </a:xfrm>
+          <a:prstGeom prst="rect">
+            <a:avLst/>
+          </a:prstGeom>
+          <a:noFill/>
+          <a:ln w="19050" cap="rnd">
+            <a:noFill/>
+            <a:prstDash val="sysDash"/>
+          </a:ln>
+        </p:spPr>
+        <p:txBody>
+          <a:bodyPr wrap="none" lIns="43094" tIns="21548" rIns="43094" bIns="21548" rtlCol="0">
+            <a:spAutoFit/>
+          </a:bodyPr>
+          <a:lstStyle/>
+          <a:p>
+            <a:r>
+              <a:rPr lang="en-US" altLang="ja-JP" sz="1000" smtClean="0">
+                <a:latin typeface="Arial Unicode MS" panose="020B0604020202020204" pitchFamily="50" charset="-128"/>
+                <a:ea typeface="Arial Unicode MS" panose="020B0604020202020204" pitchFamily="50" charset="-128"/>
+                <a:cs typeface="Arial Unicode MS" panose="020B0604020202020204" pitchFamily="50" charset="-128"/>
+              </a:rPr>
+              <a:t>restore</a:t>
+            </a:r>
+            <a:endParaRPr lang="ja-JP" altLang="en-US" sz="1000">
+              <a:latin typeface="Arial Unicode MS" panose="020B0604020202020204" pitchFamily="50" charset="-128"/>
+              <a:ea typeface="Arial Unicode MS" panose="020B0604020202020204" pitchFamily="50" charset="-128"/>
+              <a:cs typeface="Arial Unicode MS" panose="020B0604020202020204" pitchFamily="50" charset="-128"/>
+            </a:endParaRPr>
+          </a:p>
+        </p:txBody>
+      </p:sp>
     </p:spTree>
     <p:extLst>
       <p:ext uri="{BB962C8B-B14F-4D97-AF65-F5344CB8AC3E}">

--- a/doc/tutorial-fig.pptx
+++ b/doc/tutorial-fig.pptx
@@ -151,7 +151,7 @@
       </p14:sectionLst>
     </p:ext>
     <p:ext uri="{EFAFB233-063F-42B5-8137-9DF3F51BA10A}">
-      <p15:sldGuideLst xmlns:p15="http://schemas.microsoft.com/office/powerpoint/2012/main" xmlns="">
+      <p15:sldGuideLst xmlns="" xmlns:p15="http://schemas.microsoft.com/office/powerpoint/2012/main">
         <p15:guide id="1" orient="horz" pos="2160">
           <p15:clr>
             <a:srgbClr val="A4A3A4"/>
@@ -165,7 +165,7 @@
       </p15:sldGuideLst>
     </p:ext>
     <p:ext uri="{2D200454-40CA-4A62-9FC3-DE9A4176ACB9}">
-      <p15:notesGuideLst xmlns:p15="http://schemas.microsoft.com/office/powerpoint/2012/main" xmlns="">
+      <p15:notesGuideLst xmlns="" xmlns:p15="http://schemas.microsoft.com/office/powerpoint/2012/main">
         <p15:guide id="1" orient="horz" pos="3223">
           <p15:clr>
             <a:srgbClr val="A4A3A4"/>
@@ -2061,7 +2061,7 @@
           <p:spPr>
             <a:xfrm>
               <a:off x="125760" y="539606"/>
-              <a:ext cx="731437" cy="197405"/>
+              <a:ext cx="1762168" cy="197405"/>
             </a:xfrm>
             <a:prstGeom prst="rect">
               <a:avLst/>
@@ -2084,7 +2084,15 @@
                   <a:ea typeface="Arial Unicode MS" panose="020B0604020202020204" pitchFamily="50" charset="-128"/>
                   <a:cs typeface="Arial Unicode MS" panose="020B0604020202020204" pitchFamily="50" charset="-128"/>
                 </a:rPr>
-                <a:t>/dev/walb/0</a:t>
+                <a:t>/</a:t>
+              </a:r>
+              <a:r>
+                <a:rPr lang="en-US" altLang="ja-JP" sz="1000" smtClean="0">
+                  <a:latin typeface="Arial Unicode MS" panose="020B0604020202020204" pitchFamily="50" charset="-128"/>
+                  <a:ea typeface="Arial Unicode MS" panose="020B0604020202020204" pitchFamily="50" charset="-128"/>
+                  <a:cs typeface="Arial Unicode MS" panose="020B0604020202020204" pitchFamily="50" charset="-128"/>
+                </a:rPr>
+                <a:t>dev/walb/walb-tutorial-device</a:t>
               </a:r>
               <a:endParaRPr lang="ja-JP" altLang="en-US" sz="1000">
                 <a:latin typeface="Arial Unicode MS" panose="020B0604020202020204" pitchFamily="50" charset="-128"/>
@@ -2145,18 +2153,7 @@
                   <a:ea typeface="Arial Unicode MS" panose="020B0604020202020204" pitchFamily="50" charset="-128"/>
                   <a:cs typeface="Arial Unicode MS" panose="020B0604020202020204" pitchFamily="50" charset="-128"/>
                 </a:rPr>
-                <a:t>/</a:t>
-              </a:r>
-              <a:r>
-                <a:rPr kumimoji="1" lang="en-US" altLang="ja-JP" sz="1000" smtClean="0">
-                  <a:solidFill>
-                    <a:srgbClr val="000000"/>
-                  </a:solidFill>
-                  <a:latin typeface="Arial Unicode MS" panose="020B0604020202020204" pitchFamily="50" charset="-128"/>
-                  <a:ea typeface="Arial Unicode MS" panose="020B0604020202020204" pitchFamily="50" charset="-128"/>
-                  <a:cs typeface="Arial Unicode MS" panose="020B0604020202020204" pitchFamily="50" charset="-128"/>
-                </a:rPr>
-                <a:t>dev/tutorial/mlog</a:t>
+                <a:t>/dev/tutorial/mlog</a:t>
               </a:r>
               <a:endParaRPr kumimoji="1" lang="ja-JP" altLang="en-US" sz="1000">
                 <a:solidFill>
@@ -2273,18 +2270,7 @@
                   <a:ea typeface="Arial Unicode MS" panose="020B0604020202020204" pitchFamily="50" charset="-128"/>
                   <a:cs typeface="Arial Unicode MS" panose="020B0604020202020204" pitchFamily="50" charset="-128"/>
                 </a:rPr>
-                <a:t>/</a:t>
-              </a:r>
-              <a:r>
-                <a:rPr kumimoji="1" lang="en-US" altLang="ja-JP" sz="1000" smtClean="0">
-                  <a:solidFill>
-                    <a:srgbClr val="000000"/>
-                  </a:solidFill>
-                  <a:latin typeface="Arial Unicode MS" panose="020B0604020202020204" pitchFamily="50" charset="-128"/>
-                  <a:ea typeface="Arial Unicode MS" panose="020B0604020202020204" pitchFamily="50" charset="-128"/>
-                  <a:cs typeface="Arial Unicode MS" panose="020B0604020202020204" pitchFamily="50" charset="-128"/>
-                </a:rPr>
-                <a:t>dev/tutorial/mdata</a:t>
+                <a:t>/dev/tutorial/mdata</a:t>
               </a:r>
               <a:endParaRPr kumimoji="1" lang="ja-JP" altLang="en-US" sz="1000">
                 <a:solidFill>
@@ -2355,7 +2341,7 @@
         <p:spPr>
           <a:xfrm>
             <a:off x="125760" y="1485900"/>
-            <a:ext cx="1276458" cy="197405"/>
+            <a:ext cx="994329" cy="197405"/>
           </a:xfrm>
           <a:prstGeom prst="rect">
             <a:avLst/>
@@ -2378,7 +2364,15 @@
                 <a:ea typeface="Arial Unicode MS" panose="020B0604020202020204" pitchFamily="50" charset="-128"/>
                 <a:cs typeface="Arial Unicode MS" panose="020B0604020202020204" pitchFamily="50" charset="-128"/>
               </a:rPr>
-              <a:t>/mnt/tutorial/data/s0/</a:t>
+              <a:t>/</a:t>
+            </a:r>
+            <a:r>
+              <a:rPr lang="en-US" altLang="ja-JP" sz="1000" smtClean="0">
+                <a:latin typeface="Arial Unicode MS" panose="020B0604020202020204" pitchFamily="50" charset="-128"/>
+                <a:ea typeface="Arial Unicode MS" panose="020B0604020202020204" pitchFamily="50" charset="-128"/>
+                <a:cs typeface="Arial Unicode MS" panose="020B0604020202020204" pitchFamily="50" charset="-128"/>
+              </a:rPr>
+              <a:t>mnt/tutorial/s0/</a:t>
             </a:r>
             <a:endParaRPr lang="ja-JP" altLang="en-US" sz="1000">
               <a:latin typeface="Arial Unicode MS" panose="020B0604020202020204" pitchFamily="50" charset="-128"/>
@@ -2599,7 +2593,7 @@
         <p:spPr>
           <a:xfrm>
             <a:off x="2576288" y="1197868"/>
-            <a:ext cx="1247604" cy="197405"/>
+            <a:ext cx="1000741" cy="197405"/>
           </a:xfrm>
           <a:prstGeom prst="rect">
             <a:avLst/>
@@ -2630,7 +2624,7 @@
                 <a:ea typeface="Arial Unicode MS" panose="020B0604020202020204" pitchFamily="50" charset="-128"/>
                 <a:cs typeface="Arial Unicode MS" panose="020B0604020202020204" pitchFamily="50" charset="-128"/>
               </a:rPr>
-              <a:t>mnt/tutorial/data/p0</a:t>
+              <a:t>mnt/tutorial/p0</a:t>
             </a:r>
             <a:r>
               <a:rPr lang="en-US" altLang="ja-JP" sz="1000" smtClean="0">
@@ -2833,7 +2827,7 @@
         <p:spPr>
           <a:xfrm>
             <a:off x="2286000" y="1792551"/>
-            <a:ext cx="1247604" cy="197405"/>
+            <a:ext cx="1000741" cy="197405"/>
           </a:xfrm>
           <a:prstGeom prst="rect">
             <a:avLst/>
@@ -2856,7 +2850,23 @@
                 <a:ea typeface="Arial Unicode MS" panose="020B0604020202020204" pitchFamily="50" charset="-128"/>
                 <a:cs typeface="Arial Unicode MS" panose="020B0604020202020204" pitchFamily="50" charset="-128"/>
               </a:rPr>
-              <a:t>/mnt/tutorial/data/a0/</a:t>
+              <a:t>/</a:t>
+            </a:r>
+            <a:r>
+              <a:rPr lang="en-US" altLang="ja-JP" sz="1000" smtClean="0">
+                <a:latin typeface="Arial Unicode MS" panose="020B0604020202020204" pitchFamily="50" charset="-128"/>
+                <a:ea typeface="Arial Unicode MS" panose="020B0604020202020204" pitchFamily="50" charset="-128"/>
+                <a:cs typeface="Arial Unicode MS" panose="020B0604020202020204" pitchFamily="50" charset="-128"/>
+              </a:rPr>
+              <a:t>mnt/tutorial/a0</a:t>
+            </a:r>
+            <a:r>
+              <a:rPr lang="en-US" altLang="ja-JP" sz="1000" smtClean="0">
+                <a:latin typeface="Arial Unicode MS" panose="020B0604020202020204" pitchFamily="50" charset="-128"/>
+                <a:ea typeface="Arial Unicode MS" panose="020B0604020202020204" pitchFamily="50" charset="-128"/>
+                <a:cs typeface="Arial Unicode MS" panose="020B0604020202020204" pitchFamily="50" charset="-128"/>
+              </a:rPr>
+              <a:t>/</a:t>
             </a:r>
             <a:endParaRPr lang="ja-JP" altLang="en-US" sz="1000">
               <a:latin typeface="Arial Unicode MS" panose="020B0604020202020204" pitchFamily="50" charset="-128"/>
@@ -2918,7 +2928,7 @@
                 <a:ea typeface="Arial Unicode MS" panose="020B0604020202020204" pitchFamily="50" charset="-128"/>
                 <a:cs typeface="Arial Unicode MS" panose="020B0604020202020204" pitchFamily="50" charset="-128"/>
               </a:rPr>
-              <a:t>/</a:t>
+              <a:t>/dev/tutorial/r_vol</a:t>
             </a:r>
             <a:r>
               <a:rPr kumimoji="1" lang="en-US" altLang="ja-JP" sz="1000" smtClean="0">
@@ -2929,18 +2939,7 @@
                 <a:ea typeface="Arial Unicode MS" panose="020B0604020202020204" pitchFamily="50" charset="-128"/>
                 <a:cs typeface="Arial Unicode MS" panose="020B0604020202020204" pitchFamily="50" charset="-128"/>
               </a:rPr>
-              <a:t>dev/tutorial/r_vol</a:t>
-            </a:r>
-            <a:r>
-              <a:rPr kumimoji="1" lang="en-US" altLang="ja-JP" sz="1000" smtClean="0">
-                <a:solidFill>
-                  <a:srgbClr val="000000"/>
-                </a:solidFill>
-                <a:latin typeface="Arial Unicode MS" panose="020B0604020202020204" pitchFamily="50" charset="-128"/>
-                <a:ea typeface="Arial Unicode MS" panose="020B0604020202020204" pitchFamily="50" charset="-128"/>
-                <a:cs typeface="Arial Unicode MS" panose="020B0604020202020204" pitchFamily="50" charset="-128"/>
-              </a:rPr>
-              <a:t>_???</a:t>
+              <a:t>_***</a:t>
             </a:r>
             <a:endParaRPr kumimoji="1" lang="ja-JP" altLang="en-US" sz="1000">
               <a:solidFill>
